--- a/PPT/PPT vimal.pptx
+++ b/PPT/PPT vimal.pptx
@@ -274,7 +274,7 @@
   </p:defaultTextStyle>
   <p:extLst>
     <p:ext uri="{EFAFB233-063F-42B5-8137-9DF3F51BA10A}">
-      <p15:sldGuideLst xmlns:ahyp="http://schemas.microsoft.com/office/drawing/2018/hyperlinkcolor" xmlns:p15="http://schemas.microsoft.com/office/powerpoint/2012/main" xmlns:p14="http://schemas.microsoft.com/office/powerpoint/2010/main" xmlns:com="http://schemas.openxmlformats.org/drawingml/2006/compatibility" xmlns:pvml="urn:schemas-microsoft-com:office:powerpoint" xmlns:v="urn:schemas-microsoft-com:vml" xmlns:o="urn:schemas-microsoft-com:office:office" xmlns:dgm="http://schemas.openxmlformats.org/drawingml/2006/diagram" xmlns:c="http://schemas.openxmlformats.org/drawingml/2006/chart" xmlns:mv="urn:schemas-microsoft-com:mac:vml" xmlns:mc="http://schemas.openxmlformats.org/markup-compatibility/2006" xmlns="">
+      <p15:sldGuideLst xmlns="" xmlns:mc="http://schemas.openxmlformats.org/markup-compatibility/2006" xmlns:mv="urn:schemas-microsoft-com:mac:vml" xmlns:c="http://schemas.openxmlformats.org/drawingml/2006/chart" xmlns:dgm="http://schemas.openxmlformats.org/drawingml/2006/diagram" xmlns:o="urn:schemas-microsoft-com:office:office" xmlns:v="urn:schemas-microsoft-com:vml" xmlns:pvml="urn:schemas-microsoft-com:office:powerpoint" xmlns:com="http://schemas.openxmlformats.org/drawingml/2006/compatibility" xmlns:p14="http://schemas.microsoft.com/office/powerpoint/2010/main" xmlns:p15="http://schemas.microsoft.com/office/powerpoint/2012/main" xmlns:ahyp="http://schemas.microsoft.com/office/drawing/2018/hyperlinkcolor">
         <p15:guide id="1" orient="horz" pos="1620">
           <p15:clr>
             <a:srgbClr val="9AA0A6"/>
@@ -31102,7 +31102,7 @@
           <p:cNvPr id="45" name="Picture 2">
             <a:extLst>
               <a:ext uri="{FF2B5EF4-FFF2-40B4-BE49-F238E27FC236}">
-                <a16:creationId xmlns:a16="http://schemas.microsoft.com/office/drawing/2014/main" xmlns="" id="{61466F5C-A7B7-4728-9A5F-F0612A432B99}"/>
+                <a16:creationId xmlns="" xmlns:a16="http://schemas.microsoft.com/office/drawing/2014/main" id="{61466F5C-A7B7-4728-9A5F-F0612A432B99}"/>
               </a:ext>
             </a:extLst>
           </p:cNvPr>
@@ -31115,7 +31115,7 @@
           <a:blip r:embed="rId3">
             <a:extLst>
               <a:ext uri="{28A0092B-C50C-407E-A947-70E740481C1C}">
-                <a14:useLocalDpi xmlns:a14="http://schemas.microsoft.com/office/drawing/2010/main" xmlns="" val="0"/>
+                <a14:useLocalDpi xmlns="" xmlns:a14="http://schemas.microsoft.com/office/drawing/2010/main" val="0"/>
               </a:ext>
             </a:extLst>
           </a:blip>
@@ -31133,7 +31133,7 @@
           </a:prstGeom>
           <a:extLst>
             <a:ext uri="{909E8E84-426E-40DD-AFC4-6F175D3DCCD1}">
-              <a14:hiddenFill xmlns:a14="http://schemas.microsoft.com/office/drawing/2010/main" xmlns="">
+              <a14:hiddenFill xmlns="" xmlns:a14="http://schemas.microsoft.com/office/drawing/2010/main">
                 <a:solidFill>
                   <a:srgbClr val="FFFFFF"/>
                 </a:solidFill>
@@ -31147,7 +31147,7 @@
           <p:cNvPr id="61" name="Picture 5" descr="A logo with people and map&#10;&#10;Description automatically generated">
             <a:extLst>
               <a:ext uri="{FF2B5EF4-FFF2-40B4-BE49-F238E27FC236}">
-                <a16:creationId xmlns="" xmlns:a16="http://schemas.microsoft.com/office/drawing/2014/main" id="{BFFC49F7-E3C1-4C7B-B678-EA69593CA092}"/>
+                <a16:creationId xmlns:a16="http://schemas.microsoft.com/office/drawing/2014/main" xmlns="" id="{BFFC49F7-E3C1-4C7B-B678-EA69593CA092}"/>
               </a:ext>
             </a:extLst>
           </p:cNvPr>
@@ -31160,7 +31160,7 @@
           <a:blip r:embed="rId4">
             <a:extLst>
               <a:ext uri="{28A0092B-C50C-407E-A947-70E740481C1C}">
-                <a14:useLocalDpi xmlns="" xmlns:a14="http://schemas.microsoft.com/office/drawing/2010/main" val="0"/>
+                <a14:useLocalDpi xmlns:a14="http://schemas.microsoft.com/office/drawing/2010/main" xmlns="" val="0"/>
               </a:ext>
             </a:extLst>
           </a:blip>
@@ -31180,7 +31180,7 @@
           <a:noFill/>
           <a:extLst>
             <a:ext uri="{909E8E84-426E-40DD-AFC4-6F175D3DCCD1}">
-              <a14:hiddenFill xmlns="" xmlns:a14="http://schemas.microsoft.com/office/drawing/2010/main">
+              <a14:hiddenFill xmlns:a14="http://schemas.microsoft.com/office/drawing/2010/main" xmlns="">
                 <a:solidFill>
                   <a:srgbClr val="FFFFFF"/>
                 </a:solidFill>
@@ -31231,7 +31231,7 @@
           <p:cNvPr id="63" name="Picture 62" descr="A close up of a logo&#10;&#10;Description automatically generated">
             <a:extLst>
               <a:ext uri="{FF2B5EF4-FFF2-40B4-BE49-F238E27FC236}">
-                <a16:creationId xmlns="" xmlns:a16="http://schemas.microsoft.com/office/drawing/2014/main" id="{E8EBC10E-EEF7-B81B-B43B-76C70375410B}"/>
+                <a16:creationId xmlns:a16="http://schemas.microsoft.com/office/drawing/2014/main" xmlns="" id="{E8EBC10E-EEF7-B81B-B43B-76C70375410B}"/>
               </a:ext>
             </a:extLst>
           </p:cNvPr>
@@ -31298,7 +31298,7 @@
           <p:cNvPr id="65" name="Straight Connector 64">
             <a:extLst>
               <a:ext uri="{FF2B5EF4-FFF2-40B4-BE49-F238E27FC236}">
-                <a16:creationId xmlns="" xmlns:a16="http://schemas.microsoft.com/office/drawing/2014/main" id="{65441A6D-4B56-CED3-7C3C-EF8BA7462425}"/>
+                <a16:creationId xmlns:a16="http://schemas.microsoft.com/office/drawing/2014/main" xmlns="" id="{65441A6D-4B56-CED3-7C3C-EF8BA7462425}"/>
               </a:ext>
             </a:extLst>
           </p:cNvPr>
@@ -31342,7 +31342,7 @@
           <p:cNvPr id="66" name="Google Shape;70;p13">
             <a:extLst>
               <a:ext uri="{FF2B5EF4-FFF2-40B4-BE49-F238E27FC236}">
-                <a16:creationId xmlns="" xmlns:a16="http://schemas.microsoft.com/office/drawing/2014/main" id="{8C1DD971-C5B3-56AD-1BE7-5C0CC8C3C639}"/>
+                <a16:creationId xmlns:a16="http://schemas.microsoft.com/office/drawing/2014/main" xmlns="" id="{8C1DD971-C5B3-56AD-1BE7-5C0CC8C3C639}"/>
               </a:ext>
             </a:extLst>
           </p:cNvPr>
@@ -31400,7 +31400,7 @@
           <p:cNvPr id="68" name="TextBox 67">
             <a:extLst>
               <a:ext uri="{FF2B5EF4-FFF2-40B4-BE49-F238E27FC236}">
-                <a16:creationId xmlns="" xmlns:a16="http://schemas.microsoft.com/office/drawing/2014/main" id="{43DEA4E5-E1F9-7C2B-5D82-B9EBDB357F79}"/>
+                <a16:creationId xmlns:a16="http://schemas.microsoft.com/office/drawing/2014/main" xmlns="" id="{43DEA4E5-E1F9-7C2B-5D82-B9EBDB357F79}"/>
               </a:ext>
             </a:extLst>
           </p:cNvPr>
@@ -31520,7 +31520,7 @@
                 <a:cs typeface="Arial"/>
                 <a:sym typeface="Arial"/>
               </a:rPr>
-              <a:t>au422721104006</a:t>
+              <a:t>au422721104059</a:t>
             </a:r>
             <a:endParaRPr lang="en-US" sz="1100" b="0" i="0" u="none" strike="noStrike" cap="none" dirty="0">
               <a:solidFill>
@@ -31539,7 +31539,7 @@
           <p:cNvPr id="69" name="Straight Connector 68">
             <a:extLst>
               <a:ext uri="{FF2B5EF4-FFF2-40B4-BE49-F238E27FC236}">
-                <a16:creationId xmlns="" xmlns:a16="http://schemas.microsoft.com/office/drawing/2014/main" id="{EE4AF06F-32E4-745B-8ACE-60EC11F28AB5}"/>
+                <a16:creationId xmlns:a16="http://schemas.microsoft.com/office/drawing/2014/main" xmlns="" id="{EE4AF06F-32E4-745B-8ACE-60EC11F28AB5}"/>
               </a:ext>
             </a:extLst>
           </p:cNvPr>
@@ -31643,19 +31643,7 @@
             </a:r>
             <a:r>
               <a:rPr lang="en-US" dirty="0" smtClean="0"/>
-              <a:t> college of engineering </a:t>
-            </a:r>
-            <a:r>
-              <a:rPr lang="en-US" dirty="0" smtClean="0"/>
-              <a:t>&amp;</a:t>
-            </a:r>
-            <a:r>
-              <a:rPr lang="en-US" dirty="0" smtClean="0"/>
-              <a:t> </a:t>
-            </a:r>
-            <a:r>
-              <a:rPr lang="en-US" dirty="0" smtClean="0"/>
-              <a:t>technology</a:t>
+              <a:t> college of engineering &amp; technology</a:t>
             </a:r>
             <a:endParaRPr lang="en-US" dirty="0"/>
           </a:p>
@@ -32006,11 +31994,6 @@
               </a:rPr>
               <a:t> framework for your car rental application, there's an array of avenues to explore for refining and expanding the system. One significant area of focus could be enhancing the user experience to ensure seamless interaction with the platform. This involves implementing responsive design principles to accommodate users across various devices, coupled with accessibility enhancements to cater to a diverse user base. 	</a:t>
             </a:r>
-            <a:endParaRPr lang="en-US" sz="1500" dirty="0" smtClean="0">
-              <a:solidFill>
-                <a:srgbClr val="000B14"/>
-              </a:solidFill>
-            </a:endParaRPr>
           </a:p>
           <a:p>
             <a:pPr>
@@ -32031,15 +32014,7 @@
                   <a:srgbClr val="000B14"/>
                 </a:solidFill>
               </a:rPr>
-              <a:t>				</a:t>
-            </a:r>
-            <a:r>
-              <a:rPr lang="en-US" dirty="0" smtClean="0">
-                <a:solidFill>
-                  <a:srgbClr val="000B14"/>
-                </a:solidFill>
-              </a:rPr>
-              <a:t>.</a:t>
+              <a:t>				.</a:t>
             </a:r>
             <a:endParaRPr lang="en-US" dirty="0"/>
           </a:p>
@@ -32120,15 +32095,7 @@
                   <a:srgbClr val="000B14"/>
                 </a:solidFill>
               </a:rPr>
-              <a:t>                 In </a:t>
-            </a:r>
-            <a:r>
-              <a:rPr lang="en-US" sz="1500" dirty="0" smtClean="0">
-                <a:solidFill>
-                  <a:srgbClr val="000B14"/>
-                </a:solidFill>
-              </a:rPr>
-              <a:t>conclusion, developing a car rental application with the </a:t>
+              <a:t>                 In conclusion, developing a car rental application with the </a:t>
             </a:r>
             <a:r>
               <a:rPr lang="en-US" sz="1500" dirty="0" err="1" smtClean="0">
@@ -32292,7 +32259,7 @@
           <p:cNvPr id="5" name="Rectangle: Rounded Corners 15">
             <a:extLst>
               <a:ext uri="{FF2B5EF4-FFF2-40B4-BE49-F238E27FC236}">
-                <a16:creationId xmlns:a16="http://schemas.microsoft.com/office/drawing/2014/main" xmlns="" id="{8DB24E31-75E2-D2BE-DEE1-91ADB5001A8F}"/>
+                <a16:creationId xmlns="" xmlns:a16="http://schemas.microsoft.com/office/drawing/2014/main" id="{8DB24E31-75E2-D2BE-DEE1-91ADB5001A8F}"/>
               </a:ext>
             </a:extLst>
           </p:cNvPr>
@@ -32497,7 +32464,7 @@
           <p:cNvPr id="9" name="Rectangle: Rounded Corners 15">
             <a:extLst>
               <a:ext uri="{FF2B5EF4-FFF2-40B4-BE49-F238E27FC236}">
-                <a16:creationId xmlns:a16="http://schemas.microsoft.com/office/drawing/2014/main" xmlns="" id="{8DB24E31-75E2-D2BE-DEE1-91ADB5001A8F}"/>
+                <a16:creationId xmlns="" xmlns:a16="http://schemas.microsoft.com/office/drawing/2014/main" id="{8DB24E31-75E2-D2BE-DEE1-91ADB5001A8F}"/>
               </a:ext>
             </a:extLst>
           </p:cNvPr>
@@ -52664,11 +52631,7 @@
           <a:p>
             <a:r>
               <a:rPr lang="en-US" dirty="0" smtClean="0"/>
-              <a:t>Technology </a:t>
-            </a:r>
-            <a:r>
-              <a:rPr lang="en-US" dirty="0" smtClean="0"/>
-              <a:t>used </a:t>
+              <a:t>Technology used </a:t>
             </a:r>
             <a:endParaRPr lang="en-US" dirty="0"/>
           </a:p>
@@ -53020,15 +52983,7 @@
                   <a:srgbClr val="000B14"/>
                 </a:solidFill>
               </a:rPr>
-              <a:t>In </a:t>
-            </a:r>
-            <a:r>
-              <a:rPr lang="en-US" sz="1500" dirty="0" smtClean="0">
-                <a:solidFill>
-                  <a:srgbClr val="000B14"/>
-                </a:solidFill>
-              </a:rPr>
-              <a:t>developing a car rental application with the </a:t>
+              <a:t>In developing a car rental application with the </a:t>
             </a:r>
             <a:r>
               <a:rPr lang="en-US" sz="1500" dirty="0" err="1" smtClean="0">
@@ -53046,11 +53001,6 @@
               </a:rPr>
               <a:t> framework, the process typically begins by defining the models that represent the core entities of the system. For instance, you'd create a Car model to store details like make, model, year, and price per day. </a:t>
             </a:r>
-            <a:endParaRPr lang="en-US" sz="1500" dirty="0" smtClean="0">
-              <a:solidFill>
-                <a:srgbClr val="000B14"/>
-              </a:solidFill>
-            </a:endParaRPr>
           </a:p>
           <a:p>
             <a:pPr>
@@ -53063,15 +53013,7 @@
                   <a:srgbClr val="000B14"/>
                 </a:solidFill>
               </a:rPr>
-              <a:t> Additionally</a:t>
-            </a:r>
-            <a:r>
-              <a:rPr lang="en-US" sz="1500" dirty="0" smtClean="0">
-                <a:solidFill>
-                  <a:srgbClr val="000B14"/>
-                </a:solidFill>
-              </a:rPr>
-              <a:t>, a Rental model would be necessary to manage rental transactions, associating rented cars with users, recording rental periods, total costs, and tracking whether the car has been returned. After establishing the models, the next steps involve creating views and templates to handle user interactions, such as browsing available cars, renting vehicles, and managing rental transactions.</a:t>
+              <a:t> Additionally, a Rental model would be necessary to manage rental transactions, associating rented cars with users, recording rental periods, total costs, and tracking whether the car has been returned. After establishing the models, the next steps involve creating views and templates to handle user interactions, such as browsing available cars, renting vehicles, and managing rental transactions.</a:t>
             </a:r>
           </a:p>
           <a:p>
